--- a/1. Bahan Ajar/03. Keamanan Informasi - Sistem Keamanan Informasi dan Internet.pptx
+++ b/1. Bahan Ajar/03. Keamanan Informasi - Sistem Keamanan Informasi dan Internet.pptx
@@ -10956,7 +10956,7 @@
           <a:p>
             <a:fld id="{CCC21BEF-BE28-4E76-9D60-7138FB889744}" type="datetimeFigureOut">
               <a:rPr lang="en-US" smtClean="0"/>
-              <a:t>2/26/2019</a:t>
+              <a:t>2/27/2019</a:t>
             </a:fld>
             <a:endParaRPr lang="en-US"/>
           </a:p>
@@ -11122,7 +11122,7 @@
           <a:p>
             <a:fld id="{EECF35F7-200E-49D6-8B7C-AD2DD13040E3}" type="datetimeFigureOut">
               <a:rPr lang="id-ID" smtClean="0"/>
-              <a:t>26/02/2019</a:t>
+              <a:t>27/02/2019</a:t>
             </a:fld>
             <a:endParaRPr lang="id-ID"/>
           </a:p>
@@ -11524,7 +11524,7 @@
           <p:cNvPr id="2" name="Group 1">
             <a:extLst>
               <a:ext uri="{FF2B5EF4-FFF2-40B4-BE49-F238E27FC236}">
-                <a16:creationId xmlns="" xmlns:a16="http://schemas.microsoft.com/office/drawing/2014/main" id="{BF297A3D-1EBC-4C20-A6D0-B4AB835648C5}"/>
+                <a16:creationId xmlns:a16="http://schemas.microsoft.com/office/drawing/2014/main" xmlns="" id="{BF297A3D-1EBC-4C20-A6D0-B4AB835648C5}"/>
               </a:ext>
             </a:extLst>
           </p:cNvPr>
@@ -11797,7 +11797,7 @@
           <p:cNvPr id="12" name="Group 11">
             <a:extLst>
               <a:ext uri="{FF2B5EF4-FFF2-40B4-BE49-F238E27FC236}">
-                <a16:creationId xmlns="" xmlns:a16="http://schemas.microsoft.com/office/drawing/2014/main" id="{6CB640A9-E75A-4093-9667-ABD2E89C2AD7}"/>
+                <a16:creationId xmlns:a16="http://schemas.microsoft.com/office/drawing/2014/main" xmlns="" id="{6CB640A9-E75A-4093-9667-ABD2E89C2AD7}"/>
               </a:ext>
             </a:extLst>
           </p:cNvPr>
@@ -11817,7 +11817,7 @@
             <p:cNvPr id="13" name="Rectangle 12">
               <a:extLst>
                 <a:ext uri="{FF2B5EF4-FFF2-40B4-BE49-F238E27FC236}">
-                  <a16:creationId xmlns="" xmlns:a16="http://schemas.microsoft.com/office/drawing/2014/main" id="{262ED595-A960-4EC6-A66D-72370EA79B32}"/>
+                  <a16:creationId xmlns:a16="http://schemas.microsoft.com/office/drawing/2014/main" xmlns="" id="{262ED595-A960-4EC6-A66D-72370EA79B32}"/>
                 </a:ext>
               </a:extLst>
             </p:cNvPr>
@@ -11886,7 +11886,7 @@
             <p:cNvPr id="14" name="Rectangle 13">
               <a:extLst>
                 <a:ext uri="{FF2B5EF4-FFF2-40B4-BE49-F238E27FC236}">
-                  <a16:creationId xmlns="" xmlns:a16="http://schemas.microsoft.com/office/drawing/2014/main" id="{B6C5A0C2-4FFC-43FE-AF3C-49817869F3D9}"/>
+                  <a16:creationId xmlns:a16="http://schemas.microsoft.com/office/drawing/2014/main" xmlns="" id="{B6C5A0C2-4FFC-43FE-AF3C-49817869F3D9}"/>
                 </a:ext>
               </a:extLst>
             </p:cNvPr>
@@ -11986,7 +11986,7 @@
           <p:cNvPr id="14" name="Group 13">
             <a:extLst>
               <a:ext uri="{FF2B5EF4-FFF2-40B4-BE49-F238E27FC236}">
-                <a16:creationId xmlns="" xmlns:a16="http://schemas.microsoft.com/office/drawing/2014/main" id="{3767F55E-A8D4-4080-A68C-7A89EBC25F20}"/>
+                <a16:creationId xmlns:a16="http://schemas.microsoft.com/office/drawing/2014/main" xmlns="" id="{3767F55E-A8D4-4080-A68C-7A89EBC25F20}"/>
               </a:ext>
             </a:extLst>
           </p:cNvPr>
@@ -12006,7 +12006,7 @@
             <p:cNvPr id="15" name="Rectangle 14">
               <a:extLst>
                 <a:ext uri="{FF2B5EF4-FFF2-40B4-BE49-F238E27FC236}">
-                  <a16:creationId xmlns="" xmlns:a16="http://schemas.microsoft.com/office/drawing/2014/main" id="{3D172E93-39AD-4D63-9BA1-B8B65F6D6F1E}"/>
+                  <a16:creationId xmlns:a16="http://schemas.microsoft.com/office/drawing/2014/main" xmlns="" id="{3D172E93-39AD-4D63-9BA1-B8B65F6D6F1E}"/>
                 </a:ext>
               </a:extLst>
             </p:cNvPr>
@@ -12075,7 +12075,7 @@
             <p:cNvPr id="16" name="Rectangle 15">
               <a:extLst>
                 <a:ext uri="{FF2B5EF4-FFF2-40B4-BE49-F238E27FC236}">
-                  <a16:creationId xmlns="" xmlns:a16="http://schemas.microsoft.com/office/drawing/2014/main" id="{E0B00AE5-724C-4F13-BE78-A3FF537246D8}"/>
+                  <a16:creationId xmlns:a16="http://schemas.microsoft.com/office/drawing/2014/main" xmlns="" id="{E0B00AE5-724C-4F13-BE78-A3FF537246D8}"/>
                 </a:ext>
               </a:extLst>
             </p:cNvPr>
@@ -12502,7 +12502,7 @@
           <p:cNvPr id="12" name="Group 11">
             <a:extLst>
               <a:ext uri="{FF2B5EF4-FFF2-40B4-BE49-F238E27FC236}">
-                <a16:creationId xmlns="" xmlns:a16="http://schemas.microsoft.com/office/drawing/2014/main" id="{339DAB42-6B87-4E41-8A58-64139319C82D}"/>
+                <a16:creationId xmlns:a16="http://schemas.microsoft.com/office/drawing/2014/main" xmlns="" id="{339DAB42-6B87-4E41-8A58-64139319C82D}"/>
               </a:ext>
             </a:extLst>
           </p:cNvPr>
@@ -12522,7 +12522,7 @@
             <p:cNvPr id="13" name="Rectangle 12">
               <a:extLst>
                 <a:ext uri="{FF2B5EF4-FFF2-40B4-BE49-F238E27FC236}">
-                  <a16:creationId xmlns="" xmlns:a16="http://schemas.microsoft.com/office/drawing/2014/main" id="{22EF7F0A-8D0E-4B48-9292-DB29D3890617}"/>
+                  <a16:creationId xmlns:a16="http://schemas.microsoft.com/office/drawing/2014/main" xmlns="" id="{22EF7F0A-8D0E-4B48-9292-DB29D3890617}"/>
                 </a:ext>
               </a:extLst>
             </p:cNvPr>
@@ -12591,7 +12591,7 @@
             <p:cNvPr id="14" name="Rectangle 13">
               <a:extLst>
                 <a:ext uri="{FF2B5EF4-FFF2-40B4-BE49-F238E27FC236}">
-                  <a16:creationId xmlns="" xmlns:a16="http://schemas.microsoft.com/office/drawing/2014/main" id="{4E488A89-9A6A-43B3-8B27-1C5F834123EA}"/>
+                  <a16:creationId xmlns:a16="http://schemas.microsoft.com/office/drawing/2014/main" xmlns="" id="{4E488A89-9A6A-43B3-8B27-1C5F834123EA}"/>
                 </a:ext>
               </a:extLst>
             </p:cNvPr>
@@ -12691,7 +12691,7 @@
           <p:cNvPr id="14" name="Group 13">
             <a:extLst>
               <a:ext uri="{FF2B5EF4-FFF2-40B4-BE49-F238E27FC236}">
-                <a16:creationId xmlns="" xmlns:a16="http://schemas.microsoft.com/office/drawing/2014/main" id="{5AEF91FE-CE08-4C64-9D1A-BF086DAC22E9}"/>
+                <a16:creationId xmlns:a16="http://schemas.microsoft.com/office/drawing/2014/main" xmlns="" id="{5AEF91FE-CE08-4C64-9D1A-BF086DAC22E9}"/>
               </a:ext>
             </a:extLst>
           </p:cNvPr>
@@ -12711,7 +12711,7 @@
             <p:cNvPr id="15" name="Rectangle 14">
               <a:extLst>
                 <a:ext uri="{FF2B5EF4-FFF2-40B4-BE49-F238E27FC236}">
-                  <a16:creationId xmlns="" xmlns:a16="http://schemas.microsoft.com/office/drawing/2014/main" id="{F36587F9-4489-4F31-A201-9E603A9EFA33}"/>
+                  <a16:creationId xmlns:a16="http://schemas.microsoft.com/office/drawing/2014/main" xmlns="" id="{F36587F9-4489-4F31-A201-9E603A9EFA33}"/>
                 </a:ext>
               </a:extLst>
             </p:cNvPr>
@@ -12780,7 +12780,7 @@
             <p:cNvPr id="16" name="Rectangle 15">
               <a:extLst>
                 <a:ext uri="{FF2B5EF4-FFF2-40B4-BE49-F238E27FC236}">
-                  <a16:creationId xmlns="" xmlns:a16="http://schemas.microsoft.com/office/drawing/2014/main" id="{57D842AC-AEF0-446E-9DFB-E136E63032D2}"/>
+                  <a16:creationId xmlns:a16="http://schemas.microsoft.com/office/drawing/2014/main" xmlns="" id="{57D842AC-AEF0-446E-9DFB-E136E63032D2}"/>
                 </a:ext>
               </a:extLst>
             </p:cNvPr>
@@ -20109,7 +20109,7 @@
           <p:cNvPr id="5" name="Content Placeholder 5">
             <a:extLst>
               <a:ext uri="{FF2B5EF4-FFF2-40B4-BE49-F238E27FC236}">
-                <a16:creationId xmlns="" xmlns:a16="http://schemas.microsoft.com/office/drawing/2014/main" id="{7D95672D-CEB1-4176-995E-413BA719A872}"/>
+                <a16:creationId xmlns:a16="http://schemas.microsoft.com/office/drawing/2014/main" xmlns="" id="{7D95672D-CEB1-4176-995E-413BA719A872}"/>
               </a:ext>
             </a:extLst>
           </p:cNvPr>
@@ -20139,7 +20139,7 @@
           <p:cNvPr id="6" name="Content Placeholder 5">
             <a:extLst>
               <a:ext uri="{FF2B5EF4-FFF2-40B4-BE49-F238E27FC236}">
-                <a16:creationId xmlns="" xmlns:a16="http://schemas.microsoft.com/office/drawing/2014/main" id="{12476E74-6BD6-4D6D-981D-4EB5329F8F06}"/>
+                <a16:creationId xmlns:a16="http://schemas.microsoft.com/office/drawing/2014/main" xmlns="" id="{12476E74-6BD6-4D6D-981D-4EB5329F8F06}"/>
               </a:ext>
             </a:extLst>
           </p:cNvPr>
@@ -29492,11 +29492,6 @@
               </a:rPr>
               <a:t>)</a:t>
             </a:r>
-            <a:endParaRPr lang="en-US" sz="3100" b="1" dirty="0" smtClean="0">
-              <a:solidFill>
-                <a:srgbClr val="FF0066"/>
-              </a:solidFill>
-            </a:endParaRPr>
           </a:p>
         </p:txBody>
       </p:sp>
@@ -30991,11 +30986,6 @@
               </a:rPr>
               <a:t>CONTROLS</a:t>
             </a:r>
-            <a:endParaRPr lang="en-US" b="1" dirty="0" smtClean="0">
-              <a:solidFill>
-                <a:srgbClr val="FF0066"/>
-              </a:solidFill>
-            </a:endParaRPr>
           </a:p>
         </p:txBody>
       </p:sp>
